--- a/NP_climate_change.pptx
+++ b/NP_climate_change.pptx
@@ -3786,7 +3786,12 @@
             <p:ph type="ctrTitle"/>
           </p:nvPr>
         </p:nvSpPr>
-        <p:spPr/>
+        <p:spPr>
+          <a:xfrm>
+            <a:off x="1427747" y="406400"/>
+            <a:ext cx="9144000" cy="2387600"/>
+          </a:xfrm>
+        </p:spPr>
         <p:txBody>
           <a:bodyPr>
             <a:normAutofit fontScale="90000"/>
@@ -3816,30 +3821,42 @@
             <p:ph type="subTitle" idx="1"/>
           </p:nvPr>
         </p:nvSpPr>
-        <p:spPr/>
+        <p:spPr>
+          <a:xfrm>
+            <a:off x="1524000" y="3291840"/>
+            <a:ext cx="9144000" cy="1965960"/>
+          </a:xfrm>
+        </p:spPr>
         <p:txBody>
           <a:bodyPr>
-            <a:normAutofit fontScale="77500" lnSpcReduction="20000"/>
+            <a:normAutofit fontScale="92500" lnSpcReduction="20000"/>
           </a:bodyPr>
           <a:lstStyle/>
           <a:p>
             <a:r>
+              <a:rPr lang="en-US" sz="4000" dirty="0"/>
+              <a:t>WANGRY Group</a:t>
+            </a:r>
+          </a:p>
+          <a:p>
+            <a:pPr algn="r"/>
+            <a:r>
               <a:rPr lang="en-US" dirty="0"/>
-              <a:t>WANGRY Group</a:t>
+              <a:t>Swati Madan</a:t>
             </a:r>
           </a:p>
           <a:p>
             <a:pPr algn="r"/>
             <a:r>
               <a:rPr lang="en-US" dirty="0"/>
-              <a:t>Jose T</a:t>
+              <a:t>Naim Panjwani</a:t>
             </a:r>
           </a:p>
           <a:p>
             <a:pPr algn="r"/>
             <a:r>
               <a:rPr lang="en-US" dirty="0" err="1"/>
-              <a:t>MariaVeronica</a:t>
+              <a:t>Mariaveronica</a:t>
             </a:r>
             <a:r>
               <a:rPr lang="en-US" dirty="0"/>
@@ -3855,15 +3872,13 @@
             <a:pPr algn="r"/>
             <a:r>
               <a:rPr lang="en-US" dirty="0"/>
-              <a:t>Swati</a:t>
-            </a:r>
-          </a:p>
-          <a:p>
-            <a:pPr algn="r"/>
-            <a:r>
-              <a:rPr lang="en-US" dirty="0"/>
-              <a:t>Naim Panjwani</a:t>
-            </a:r>
+              <a:t>Jose </a:t>
+            </a:r>
+            <a:r>
+              <a:rPr lang="en-US" dirty="0" err="1"/>
+              <a:t>Tomines</a:t>
+            </a:r>
+            <a:endParaRPr lang="en-US" dirty="0"/>
           </a:p>
         </p:txBody>
       </p:sp>

--- a/NP_climate_change.pptx
+++ b/NP_climate_change.pptx
@@ -4203,10 +4203,10 @@
       </p:sp>
       <p:pic>
         <p:nvPicPr>
-          <p:cNvPr id="5" name="Picture 4">
-            <a:extLst>
-              <a:ext uri="{FF2B5EF4-FFF2-40B4-BE49-F238E27FC236}">
-                <a16:creationId xmlns:a16="http://schemas.microsoft.com/office/drawing/2014/main" id="{7D0232A7-5FF3-4A50-9A61-C1056E4FC874}"/>
+          <p:cNvPr id="4" name="Picture 3">
+            <a:extLst>
+              <a:ext uri="{FF2B5EF4-FFF2-40B4-BE49-F238E27FC236}">
+                <a16:creationId xmlns:a16="http://schemas.microsoft.com/office/drawing/2014/main" id="{D6392E24-326A-4D47-BD25-D5C586893EF3}"/>
               </a:ext>
             </a:extLst>
           </p:cNvPr>
@@ -4229,8 +4229,8 @@
         </p:blipFill>
         <p:spPr>
           <a:xfrm>
-            <a:off x="173255" y="2280698"/>
-            <a:ext cx="6102417" cy="2969375"/>
+            <a:off x="182880" y="1920894"/>
+            <a:ext cx="6198669" cy="3016211"/>
           </a:xfrm>
           <a:prstGeom prst="rect">
             <a:avLst/>
@@ -4239,10 +4239,10 @@
       </p:pic>
       <p:pic>
         <p:nvPicPr>
-          <p:cNvPr id="9" name="Picture 8">
-            <a:extLst>
-              <a:ext uri="{FF2B5EF4-FFF2-40B4-BE49-F238E27FC236}">
-                <a16:creationId xmlns:a16="http://schemas.microsoft.com/office/drawing/2014/main" id="{7A952ACF-E030-4B45-8FB7-B40B94BE641F}"/>
+          <p:cNvPr id="7" name="Picture 6">
+            <a:extLst>
+              <a:ext uri="{FF2B5EF4-FFF2-40B4-BE49-F238E27FC236}">
+                <a16:creationId xmlns:a16="http://schemas.microsoft.com/office/drawing/2014/main" id="{EC0744FA-622A-44EA-97F0-EB306F9F2753}"/>
               </a:ext>
             </a:extLst>
           </p:cNvPr>
@@ -4265,8 +4265,8 @@
         </p:blipFill>
         <p:spPr>
           <a:xfrm>
-            <a:off x="6575310" y="2406858"/>
-            <a:ext cx="5616690" cy="2904396"/>
+            <a:off x="6470067" y="1971988"/>
+            <a:ext cx="5635306" cy="2914022"/>
           </a:xfrm>
           <a:prstGeom prst="rect">
             <a:avLst/>
